--- a/slides/taco2016_slides.pptx
+++ b/slides/taco2016_slides.pptx
@@ -233,7 +233,7 @@
           <a:p>
             <a:fld id="{7C5D1D63-D02C-497C-8F2E-AC30427A4506}" type="datetimeFigureOut">
               <a:rPr lang="en-GB" smtClean="0"/>
-              <a:t>11/06/2017</a:t>
+              <a:t>28/04/2019</a:t>
             </a:fld>
             <a:endParaRPr lang="en-GB"/>
           </a:p>
@@ -399,7 +399,7 @@
           <a:p>
             <a:fld id="{E923C712-E67C-4DB8-858E-523237D9B227}" type="datetimeFigureOut">
               <a:rPr lang="en-GB" smtClean="0"/>
-              <a:t>11/06/2017</a:t>
+              <a:t>28/04/2019</a:t>
             </a:fld>
             <a:endParaRPr lang="en-GB"/>
           </a:p>
@@ -1895,36 +1895,6 @@
         <p:txBody>
           <a:bodyPr/>
           <a:lstStyle/>
-          <a:p>
-            <a:pPr marL="342900" indent="-342900">
-              <a:buFont typeface="+mj-lt"/>
-              <a:buAutoNum type="arabicPeriod"/>
-            </a:pPr>
-            <a:r>
-              <a:rPr lang="en-GB" dirty="0"/>
-              <a:t>Motivation</a:t>
-            </a:r>
-          </a:p>
-          <a:p>
-            <a:pPr marL="800100" lvl="1" indent="-342900">
-              <a:buFont typeface="Wingdings" panose="05000000000000000000" pitchFamily="2" charset="2"/>
-              <a:buChar char="§"/>
-            </a:pPr>
-            <a:r>
-              <a:rPr lang="en-GB" dirty="0"/>
-              <a:t>	Latencies lie in the critical path</a:t>
-            </a:r>
-          </a:p>
-          <a:p>
-            <a:pPr marL="800100" lvl="1" indent="-342900">
-              <a:buFont typeface="Wingdings" panose="05000000000000000000" pitchFamily="2" charset="2"/>
-              <a:buChar char="§"/>
-            </a:pPr>
-            <a:r>
-              <a:rPr lang="en-GB" dirty="0"/>
-              <a:t>	Presence of inter-core reuse</a:t>
-            </a:r>
-          </a:p>
           <a:p>
             <a:endParaRPr lang="en-GB" dirty="0"/>
           </a:p>
@@ -26117,7 +26087,7 @@
                 <a14:useLocalDpi xmlns:a14="http://schemas.microsoft.com/office/drawing/2010/main" val="0"/>
               </a:ext>
               <a:ext uri="{96DAC541-7B7A-43D3-8B79-37D633B846F1}">
-                <asvg:svgBlip xmlns:asvg="http://schemas.microsoft.com/office/drawing/2016/SVG/main" r:embed="rId6"/>
+                <asvg:svgBlip xmlns:asvg="http://schemas.microsoft.com/office/drawing/2016/SVG/main" xmlns="" r:embed="rId6"/>
               </a:ext>
             </a:extLst>
           </a:blip>
@@ -26258,7 +26228,7 @@
                 <a14:useLocalDpi xmlns:a14="http://schemas.microsoft.com/office/drawing/2010/main" val="0"/>
               </a:ext>
               <a:ext uri="{96DAC541-7B7A-43D3-8B79-37D633B846F1}">
-                <asvg:svgBlip xmlns:asvg="http://schemas.microsoft.com/office/drawing/2016/SVG/main" r:embed="rId8"/>
+                <asvg:svgBlip xmlns:asvg="http://schemas.microsoft.com/office/drawing/2016/SVG/main" xmlns="" r:embed="rId8"/>
               </a:ext>
             </a:extLst>
           </a:blip>
@@ -26291,7 +26261,7 @@
                 <a14:useLocalDpi xmlns:a14="http://schemas.microsoft.com/office/drawing/2010/main" val="0"/>
               </a:ext>
               <a:ext uri="{96DAC541-7B7A-43D3-8B79-37D633B846F1}">
-                <asvg:svgBlip xmlns:asvg="http://schemas.microsoft.com/office/drawing/2016/SVG/main" r:embed="rId8"/>
+                <asvg:svgBlip xmlns:asvg="http://schemas.microsoft.com/office/drawing/2016/SVG/main" xmlns="" r:embed="rId8"/>
               </a:ext>
             </a:extLst>
           </a:blip>
@@ -26324,7 +26294,7 @@
                 <a14:useLocalDpi xmlns:a14="http://schemas.microsoft.com/office/drawing/2010/main" val="0"/>
               </a:ext>
               <a:ext uri="{96DAC541-7B7A-43D3-8B79-37D633B846F1}">
-                <asvg:svgBlip xmlns:asvg="http://schemas.microsoft.com/office/drawing/2016/SVG/main" r:embed="rId8"/>
+                <asvg:svgBlip xmlns:asvg="http://schemas.microsoft.com/office/drawing/2016/SVG/main" xmlns="" r:embed="rId8"/>
               </a:ext>
             </a:extLst>
           </a:blip>
@@ -26357,7 +26327,7 @@
                 <a14:useLocalDpi xmlns:a14="http://schemas.microsoft.com/office/drawing/2010/main" val="0"/>
               </a:ext>
               <a:ext uri="{96DAC541-7B7A-43D3-8B79-37D633B846F1}">
-                <asvg:svgBlip xmlns:asvg="http://schemas.microsoft.com/office/drawing/2016/SVG/main" r:embed="rId8"/>
+                <asvg:svgBlip xmlns:asvg="http://schemas.microsoft.com/office/drawing/2016/SVG/main" xmlns="" r:embed="rId8"/>
               </a:ext>
             </a:extLst>
           </a:blip>
@@ -36555,7 +36525,7 @@
                 <a14:useLocalDpi xmlns:a14="http://schemas.microsoft.com/office/drawing/2010/main" val="0"/>
               </a:ext>
               <a:ext uri="{96DAC541-7B7A-43D3-8B79-37D633B846F1}">
-                <asvg:svgBlip xmlns:asvg="http://schemas.microsoft.com/office/drawing/2016/SVG/main" r:embed="rId6"/>
+                <asvg:svgBlip xmlns:asvg="http://schemas.microsoft.com/office/drawing/2016/SVG/main" xmlns="" r:embed="rId6"/>
               </a:ext>
             </a:extLst>
           </a:blip>
@@ -36630,7 +36600,7 @@
                 <a14:useLocalDpi xmlns:a14="http://schemas.microsoft.com/office/drawing/2010/main" val="0"/>
               </a:ext>
               <a:ext uri="{96DAC541-7B7A-43D3-8B79-37D633B846F1}">
-                <asvg:svgBlip xmlns:asvg="http://schemas.microsoft.com/office/drawing/2016/SVG/main" r:embed="rId8"/>
+                <asvg:svgBlip xmlns:asvg="http://schemas.microsoft.com/office/drawing/2016/SVG/main" xmlns="" r:embed="rId8"/>
               </a:ext>
             </a:extLst>
           </a:blip>
@@ -36663,7 +36633,7 @@
                 <a14:useLocalDpi xmlns:a14="http://schemas.microsoft.com/office/drawing/2010/main" val="0"/>
               </a:ext>
               <a:ext uri="{96DAC541-7B7A-43D3-8B79-37D633B846F1}">
-                <asvg:svgBlip xmlns:asvg="http://schemas.microsoft.com/office/drawing/2016/SVG/main" r:embed="rId8"/>
+                <asvg:svgBlip xmlns:asvg="http://schemas.microsoft.com/office/drawing/2016/SVG/main" xmlns="" r:embed="rId8"/>
               </a:ext>
             </a:extLst>
           </a:blip>
@@ -36696,7 +36666,7 @@
                 <a14:useLocalDpi xmlns:a14="http://schemas.microsoft.com/office/drawing/2010/main" val="0"/>
               </a:ext>
               <a:ext uri="{96DAC541-7B7A-43D3-8B79-37D633B846F1}">
-                <asvg:svgBlip xmlns:asvg="http://schemas.microsoft.com/office/drawing/2016/SVG/main" r:embed="rId8"/>
+                <asvg:svgBlip xmlns:asvg="http://schemas.microsoft.com/office/drawing/2016/SVG/main" xmlns="" r:embed="rId8"/>
               </a:ext>
             </a:extLst>
           </a:blip>
@@ -36729,7 +36699,7 @@
                 <a14:useLocalDpi xmlns:a14="http://schemas.microsoft.com/office/drawing/2010/main" val="0"/>
               </a:ext>
               <a:ext uri="{96DAC541-7B7A-43D3-8B79-37D633B846F1}">
-                <asvg:svgBlip xmlns:asvg="http://schemas.microsoft.com/office/drawing/2016/SVG/main" r:embed="rId8"/>
+                <asvg:svgBlip xmlns:asvg="http://schemas.microsoft.com/office/drawing/2016/SVG/main" xmlns="" r:embed="rId8"/>
               </a:ext>
             </a:extLst>
           </a:blip>
